--- a/kpi/Test Automation_20200221_1.pptx
+++ b/kpi/Test Automation_20200221_1.pptx
@@ -168,7 +168,7 @@
   </p:defaultTextStyle>
   <p:extLst>
     <p:ext uri="{EFAFB233-063F-42B5-8137-9DF3F51BA10A}">
-      <p15:sldGuideLst xmlns:p15="http://schemas.microsoft.com/office/powerpoint/2012/main" xmlns="">
+      <p15:sldGuideLst xmlns="" xmlns:p15="http://schemas.microsoft.com/office/powerpoint/2012/main">
         <p15:guide id="1" orient="horz" pos="1620">
           <p15:clr>
             <a:srgbClr val="A4A3A4"/>
@@ -182,7 +182,7 @@
       </p15:sldGuideLst>
     </p:ext>
     <p:ext uri="{2D200454-40CA-4A62-9FC3-DE9A4176ACB9}">
-      <p15:notesGuideLst xmlns:p15="http://schemas.microsoft.com/office/powerpoint/2012/main" xmlns="">
+      <p15:notesGuideLst xmlns="" xmlns:p15="http://schemas.microsoft.com/office/powerpoint/2012/main">
         <p15:guide id="1" orient="horz" pos="3223">
           <p15:clr>
             <a:srgbClr val="A4A3A4"/>
@@ -2861,7 +2861,35 @@
           <a:p>
             <a:r>
               <a:rPr lang="zh-TW" altLang="en-US" dirty="0" smtClean="0"/>
-              <a:t>要講為何要開發這個？原因是什麼？</a:t>
+              <a:t>目前是用 </a:t>
+            </a:r>
+            <a:r>
+              <a:rPr lang="en-US" altLang="zh-TW" dirty="0" smtClean="0"/>
+              <a:t>pen</a:t>
+            </a:r>
+            <a:r>
+              <a:rPr lang="en-US" altLang="zh-TW" baseline="0" dirty="0" smtClean="0"/>
+              <a:t> driver</a:t>
+            </a:r>
+            <a:r>
+              <a:rPr lang="zh-TW" altLang="en-US" dirty="0" smtClean="0"/>
+              <a:t> 複製出來並且到代測物做安裝的動作，由於提升部門內部下載程式的便利性，如果可以有一隻程式可以直接透過它連到 </a:t>
+            </a:r>
+            <a:r>
+              <a:rPr lang="en-US" altLang="zh-TW" dirty="0" smtClean="0"/>
+              <a:t>DQA</a:t>
+            </a:r>
+            <a:r>
+              <a:rPr lang="zh-TW" altLang="en-US" dirty="0" smtClean="0"/>
+              <a:t> </a:t>
+            </a:r>
+            <a:r>
+              <a:rPr lang="en-US" altLang="zh-TW" dirty="0" smtClean="0"/>
+              <a:t>Server </a:t>
+            </a:r>
+            <a:r>
+              <a:rPr lang="zh-TW" altLang="en-US" dirty="0" smtClean="0"/>
+              <a:t>即可以直接下載到代測物上面會較快速許多，才開發此程式</a:t>
             </a:r>
             <a:endParaRPr lang="en-US" altLang="zh-TW" dirty="0" smtClean="0"/>
           </a:p>
@@ -3097,6 +3125,14 @@
           <a:bodyPr/>
           <a:lstStyle/>
           <a:p>
+            <a:r>
+              <a:rPr lang="zh-TW" altLang="en-US" dirty="0" smtClean="0"/>
+              <a:t>未來的願景 </a:t>
+            </a:r>
+            <a:r>
+              <a:rPr lang="en-US" altLang="zh-TW" dirty="0" smtClean="0"/>
+              <a:t>CI</a:t>
+            </a:r>
             <a:endParaRPr lang="zh-TW" altLang="en-US" dirty="0"/>
           </a:p>
         </p:txBody>
@@ -8338,7 +8374,7 @@
           <a:graphicData uri="http://schemas.openxmlformats.org/presentationml/2006/ole">
             <mc:AlternateContent xmlns:mc="http://schemas.openxmlformats.org/markup-compatibility/2006">
               <mc:Choice xmlns:v="urn:schemas-microsoft-com:vml" Requires="v">
-                <p:oleObj spid="_x0000_s5373" name="封裝程式殼層物件" showAsIcon="1" r:id="rId4" imgW="744480" imgH="394920" progId="Package">
+                <p:oleObj spid="_x0000_s5376" name="封裝程式殼層物件" showAsIcon="1" r:id="rId4" imgW="744480" imgH="394920" progId="Package">
                   <p:embed/>
                 </p:oleObj>
               </mc:Choice>
